--- a/03. Page Navigation/Lab 3. Make your App Multipage.pptx
+++ b/03. Page Navigation/Lab 3. Make your App Multipage.pptx
@@ -209,7 +209,7 @@
           <a:p>
             <a:fld id="{94239FBE-FC08-4336-9B53-CDE8BC5ED33D}" type="datetimeFigureOut">
               <a:rPr lang="ru-RU" smtClean="0"/>
-              <a:t>06.12.2015</a:t>
+              <a:t>07.12.2015</a:t>
             </a:fld>
             <a:endParaRPr lang="ru-RU"/>
           </a:p>
@@ -374,7 +374,7 @@
           <a:p>
             <a:fld id="{135EBF37-D0C5-4B7C-9D35-9D2E20CA27EC}" type="datetimeFigureOut">
               <a:rPr lang="ru-RU" smtClean="0"/>
-              <a:t>06.12.2015</a:t>
+              <a:t>07.12.2015</a:t>
             </a:fld>
             <a:endParaRPr lang="ru-RU"/>
           </a:p>
@@ -1063,7 +1063,7 @@
                   <a:spcPct val="0"/>
                 </a:spcAft>
               </a:pPr>
-              <a:t>12/6/2015 3:11 AM</a:t>
+              <a:t>12/7/2015 12:52 AM</a:t>
             </a:fld>
             <a:endParaRPr lang="en-US"/>
           </a:p>
@@ -9842,7 +9842,7 @@
             <a:fld id="{B9E0730F-B7E3-6A47-BE8A-187D77555B7C}" type="datetimeFigureOut">
               <a:rPr lang="en-US" smtClean="0"/>
               <a:pPr/>
-              <a:t>12/6/2015</a:t>
+              <a:t>12/7/2015</a:t>
             </a:fld>
             <a:endParaRPr lang="en-US"/>
           </a:p>
@@ -27004,10 +27004,6 @@
               <a:rPr lang="ru-RU" sz="4000" dirty="0" smtClean="0"/>
               <a:t>: </a:t>
             </a:r>
-            <a:r>
-              <a:rPr lang="ru-RU" sz="4000" dirty="0" smtClean="0"/>
-              <a:t/>
-            </a:r>
             <a:br>
               <a:rPr lang="ru-RU" sz="4000" dirty="0" smtClean="0"/>
             </a:br>
@@ -27182,24 +27178,36 @@
           <a:lstStyle/>
           <a:p>
             <a:r>
-              <a:rPr lang="ru-RU" dirty="0" smtClean="0"/>
-              <a:t>Преобразуйте приложение, созданное в лабораторной 2а, в многостраничное.</a:t>
-            </a:r>
-            <a:endParaRPr lang="ru-RU" dirty="0" smtClean="0"/>
-          </a:p>
-          <a:p>
-            <a:endParaRPr lang="ru-RU" sz="1700" dirty="0"/>
-          </a:p>
-          <a:p>
-            <a:r>
-              <a:rPr lang="ru-RU" dirty="0" smtClean="0"/>
-              <a:t>Добавьте</a:t>
-            </a:r>
-            <a:r>
-              <a:rPr lang="ru-RU" dirty="0" smtClean="0"/>
-              <a:t>:</a:t>
-            </a:r>
-            <a:endParaRPr lang="ru-RU" dirty="0" smtClean="0"/>
+              <a:rPr lang="ru-RU" dirty="0" smtClean="0">
+                <a:latin typeface="+mj-lt"/>
+              </a:rPr>
+              <a:t>Преобразуйте приложение, созданное в лабораторной </a:t>
+            </a:r>
+            <a:r>
+              <a:rPr lang="ru-RU" dirty="0" smtClean="0">
+                <a:latin typeface="+mj-lt"/>
+              </a:rPr>
+              <a:t>2, </a:t>
+            </a:r>
+            <a:r>
+              <a:rPr lang="ru-RU" dirty="0" smtClean="0">
+                <a:latin typeface="+mj-lt"/>
+              </a:rPr>
+              <a:t>в многостраничное.</a:t>
+            </a:r>
+          </a:p>
+          <a:p>
+            <a:endParaRPr lang="ru-RU" sz="1700" dirty="0">
+              <a:latin typeface="+mj-lt"/>
+            </a:endParaRPr>
+          </a:p>
+          <a:p>
+            <a:r>
+              <a:rPr lang="ru-RU" dirty="0" smtClean="0">
+                <a:latin typeface="+mj-lt"/>
+              </a:rPr>
+              <a:t>Добавьте:</a:t>
+            </a:r>
           </a:p>
           <a:p>
             <a:pPr marL="396000" indent="-457200">
@@ -27213,10 +27221,14 @@
               <a:buChar char="-"/>
             </a:pPr>
             <a:r>
-              <a:rPr lang="ru-RU" dirty="0" smtClean="0"/>
+              <a:rPr lang="ru-RU" dirty="0" smtClean="0">
+                <a:latin typeface="+mj-lt"/>
+              </a:rPr>
               <a:t>Просмотр отдельной записи из коллекции</a:t>
             </a:r>
-            <a:endParaRPr lang="en-US" dirty="0" smtClean="0"/>
+            <a:endParaRPr lang="en-US" dirty="0" smtClean="0">
+              <a:latin typeface="+mj-lt"/>
+            </a:endParaRPr>
           </a:p>
           <a:p>
             <a:pPr marL="396000" indent="-457200">
@@ -27230,10 +27242,14 @@
               <a:buChar char="-"/>
             </a:pPr>
             <a:r>
-              <a:rPr lang="ru-RU" dirty="0" smtClean="0"/>
+              <a:rPr lang="ru-RU" dirty="0" smtClean="0">
+                <a:latin typeface="+mj-lt"/>
+              </a:rPr>
               <a:t>Страничку «Об авторе»</a:t>
             </a:r>
-            <a:endParaRPr lang="en-US" dirty="0" smtClean="0"/>
+            <a:endParaRPr lang="en-US" dirty="0" smtClean="0">
+              <a:latin typeface="+mj-lt"/>
+            </a:endParaRPr>
           </a:p>
           <a:p>
             <a:pPr marL="396000" indent="-457200">
@@ -27246,7 +27262,9 @@
               <a:buFontTx/>
               <a:buChar char="-"/>
             </a:pPr>
-            <a:endParaRPr lang="ru-RU" dirty="0" smtClean="0"/>
+            <a:endParaRPr lang="ru-RU" dirty="0" smtClean="0">
+              <a:latin typeface="+mj-lt"/>
+            </a:endParaRPr>
           </a:p>
           <a:p>
             <a:pPr>
@@ -27257,7 +27275,9 @@
                 <a:spcPts val="0"/>
               </a:spcBef>
             </a:pPr>
-            <a:endParaRPr lang="ru-RU" dirty="0"/>
+            <a:endParaRPr lang="ru-RU" dirty="0">
+              <a:latin typeface="+mj-lt"/>
+            </a:endParaRPr>
           </a:p>
         </p:txBody>
       </p:sp>
@@ -29084,9 +29104,12 @@
 </file>
 
 <file path=customXml/item1.xml><?xml version="1.0" encoding="utf-8"?>
-<p:properties xmlns:p="http://schemas.microsoft.com/office/2006/metadata/properties" xmlns:xsi="http://www.w3.org/2001/XMLSchema-instance" xmlns:pc="http://schemas.microsoft.com/office/infopath/2007/PartnerControls">
-  <documentManagement/>
-</p:properties>
+<?mso-contentType ?>
+<FormTemplates xmlns="http://schemas.microsoft.com/sharepoint/v3/contenttype/forms">
+  <Display>DocumentLibraryForm</Display>
+  <Edit>DocumentLibraryForm</Edit>
+  <New>DocumentLibraryForm</New>
+</FormTemplates>
 </file>
 
 <file path=customXml/item2.xml><?xml version="1.0" encoding="utf-8"?>
@@ -29204,25 +29227,15 @@
 </file>
 
 <file path=customXml/item3.xml><?xml version="1.0" encoding="utf-8"?>
-<?mso-contentType ?>
-<FormTemplates xmlns="http://schemas.microsoft.com/sharepoint/v3/contenttype/forms">
-  <Display>DocumentLibraryForm</Display>
-  <Edit>DocumentLibraryForm</Edit>
-  <New>DocumentLibraryForm</New>
-</FormTemplates>
+<p:properties xmlns:p="http://schemas.microsoft.com/office/2006/metadata/properties" xmlns:xsi="http://www.w3.org/2001/XMLSchema-instance" xmlns:pc="http://schemas.microsoft.com/office/infopath/2007/PartnerControls">
+  <documentManagement/>
+</p:properties>
 </file>
 
 <file path=customXml/itemProps1.xml><?xml version="1.0" encoding="utf-8"?>
-<ds:datastoreItem xmlns:ds="http://schemas.openxmlformats.org/officeDocument/2006/customXml" ds:itemID="{136497CF-FFDF-4FDB-8278-A4E189869E9B}">
+<ds:datastoreItem xmlns:ds="http://schemas.openxmlformats.org/officeDocument/2006/customXml" ds:itemID="{1C1284F2-D5A2-482D-9283-38905BD416F7}">
   <ds:schemaRefs>
-    <ds:schemaRef ds:uri="http://schemas.microsoft.com/office/2006/metadata/properties"/>
-    <ds:schemaRef ds:uri="http://purl.org/dc/terms/"/>
-    <ds:schemaRef ds:uri="http://schemas.openxmlformats.org/package/2006/metadata/core-properties"/>
-    <ds:schemaRef ds:uri="http://schemas.microsoft.com/office/2006/documentManagement/types"/>
-    <ds:schemaRef ds:uri="http://purl.org/dc/dcmitype/"/>
-    <ds:schemaRef ds:uri="http://schemas.microsoft.com/office/infopath/2007/PartnerControls"/>
-    <ds:schemaRef ds:uri="http://purl.org/dc/elements/1.1/"/>
-    <ds:schemaRef ds:uri="http://www.w3.org/XML/1998/namespace"/>
+    <ds:schemaRef ds:uri="http://schemas.microsoft.com/sharepoint/v3/contenttype/forms"/>
   </ds:schemaRefs>
 </ds:datastoreItem>
 </file>
@@ -29244,9 +29257,16 @@
 </file>
 
 <file path=customXml/itemProps3.xml><?xml version="1.0" encoding="utf-8"?>
-<ds:datastoreItem xmlns:ds="http://schemas.openxmlformats.org/officeDocument/2006/customXml" ds:itemID="{1C1284F2-D5A2-482D-9283-38905BD416F7}">
+<ds:datastoreItem xmlns:ds="http://schemas.openxmlformats.org/officeDocument/2006/customXml" ds:itemID="{136497CF-FFDF-4FDB-8278-A4E189869E9B}">
   <ds:schemaRefs>
-    <ds:schemaRef ds:uri="http://schemas.microsoft.com/sharepoint/v3/contenttype/forms"/>
+    <ds:schemaRef ds:uri="http://schemas.microsoft.com/office/2006/metadata/properties"/>
+    <ds:schemaRef ds:uri="http://purl.org/dc/terms/"/>
+    <ds:schemaRef ds:uri="http://schemas.openxmlformats.org/package/2006/metadata/core-properties"/>
+    <ds:schemaRef ds:uri="http://schemas.microsoft.com/office/2006/documentManagement/types"/>
+    <ds:schemaRef ds:uri="http://purl.org/dc/dcmitype/"/>
+    <ds:schemaRef ds:uri="http://schemas.microsoft.com/office/infopath/2007/PartnerControls"/>
+    <ds:schemaRef ds:uri="http://purl.org/dc/elements/1.1/"/>
+    <ds:schemaRef ds:uri="http://www.w3.org/XML/1998/namespace"/>
   </ds:schemaRefs>
 </ds:datastoreItem>
 </file>